--- a/docs/tca.pptx
+++ b/docs/tca.pptx
@@ -111,6 +111,11 @@
       </a:defRPr>
     </a:lvl9pPr>
   </p:defaultTextStyle>
+  <p:extLst>
+    <p:ext uri="{EFAFB233-063F-42B5-8137-9DF3F51BA10A}">
+      <p15:sldGuideLst xmlns:p15="http://schemas.microsoft.com/office/powerpoint/2012/main"/>
+    </p:ext>
+  </p:extLst>
 </p:presentation>
 </file>
 
@@ -1229,13 +1234,20 @@
         </dgm:presLayoutVars>
       </dgm:prSet>
       <dgm:spPr/>
+      <dgm:t>
+        <a:bodyPr/>
+        <a:lstStyle/>
+        <a:p>
+          <a:endParaRPr lang="en-US"/>
+        </a:p>
+      </dgm:t>
     </dgm:pt>
     <dgm:pt modelId="{EF0D6C93-5BBF-4758-B3C1-37C832A14BEB}" type="pres">
       <dgm:prSet presAssocID="{005515C7-40B0-4937-9B5E-BCB9C50705CF}" presName="vertOne" presStyleCnt="0"/>
       <dgm:spPr/>
     </dgm:pt>
     <dgm:pt modelId="{1C005DB6-8D3D-4529-ACBF-EA17D735DB59}" type="pres">
-      <dgm:prSet presAssocID="{005515C7-40B0-4937-9B5E-BCB9C50705CF}" presName="txOne" presStyleLbl="node0" presStyleIdx="0" presStyleCnt="1" custLinFactNeighborX="-106">
+      <dgm:prSet presAssocID="{005515C7-40B0-4937-9B5E-BCB9C50705CF}" presName="txOne" presStyleLbl="node0" presStyleIdx="0" presStyleCnt="1" custLinFactNeighborX="-171" custLinFactNeighborY="20949">
         <dgm:presLayoutVars>
           <dgm:chPref val="3"/>
         </dgm:presLayoutVars>
@@ -1268,6 +1280,13 @@
         </dgm:presLayoutVars>
       </dgm:prSet>
       <dgm:spPr/>
+      <dgm:t>
+        <a:bodyPr/>
+        <a:lstStyle/>
+        <a:p>
+          <a:endParaRPr lang="en-US"/>
+        </a:p>
+      </dgm:t>
     </dgm:pt>
     <dgm:pt modelId="{A4203532-B252-4812-AA71-D6F480541F87}" type="pres">
       <dgm:prSet presAssocID="{98A81B6E-87B6-4440-A6E2-773AA8401C6B}" presName="parTransTwo" presStyleCnt="0"/>
@@ -1315,6 +1334,13 @@
         </dgm:presLayoutVars>
       </dgm:prSet>
       <dgm:spPr/>
+      <dgm:t>
+        <a:bodyPr/>
+        <a:lstStyle/>
+        <a:p>
+          <a:endParaRPr lang="en-US"/>
+        </a:p>
+      </dgm:t>
     </dgm:pt>
     <dgm:pt modelId="{243580D4-4DFA-460B-8FE7-2B36C45E4604}" type="pres">
       <dgm:prSet presAssocID="{568FB92D-AF12-4A0D-A59C-BD176FE51465}" presName="parTransTwo" presStyleCnt="0"/>
@@ -1362,6 +1388,13 @@
         </dgm:presLayoutVars>
       </dgm:prSet>
       <dgm:spPr/>
+      <dgm:t>
+        <a:bodyPr/>
+        <a:lstStyle/>
+        <a:p>
+          <a:endParaRPr lang="en-US"/>
+        </a:p>
+      </dgm:t>
     </dgm:pt>
     <dgm:pt modelId="{41AAC8E6-BA13-4A9E-B514-FC803AF5D378}" type="pres">
       <dgm:prSet presAssocID="{E09A9692-5F5A-4C3B-8AB2-2A7999D73C2A}" presName="parTransTwo" presStyleCnt="0"/>
@@ -1409,6 +1442,13 @@
         </dgm:presLayoutVars>
       </dgm:prSet>
       <dgm:spPr/>
+      <dgm:t>
+        <a:bodyPr/>
+        <a:lstStyle/>
+        <a:p>
+          <a:endParaRPr lang="en-US"/>
+        </a:p>
+      </dgm:t>
     </dgm:pt>
     <dgm:pt modelId="{03B52617-684B-4F10-A453-FF8E007CC99B}" type="pres">
       <dgm:prSet presAssocID="{5ED991FC-BB62-49A0-B7B3-C43677558FA3}" presName="horzThree" presStyleCnt="0"/>
@@ -1416,23 +1456,23 @@
     </dgm:pt>
   </dgm:ptLst>
   <dgm:cxnLst>
+    <dgm:cxn modelId="{FCAF5EBB-98BB-4CC6-8FBF-0597DBCAAB58}" srcId="{005515C7-40B0-4937-9B5E-BCB9C50705CF}" destId="{E09A9692-5F5A-4C3B-8AB2-2A7999D73C2A}" srcOrd="2" destOrd="0" parTransId="{9CE724B6-3AB1-4FB3-B6B0-33EE772890F5}" sibTransId="{FB78370A-DDB5-4DB0-BB98-1427F69D37BB}"/>
+    <dgm:cxn modelId="{63BAF35F-4027-4661-9018-4944A86C9985}" srcId="{E09A9692-5F5A-4C3B-8AB2-2A7999D73C2A}" destId="{5ED991FC-BB62-49A0-B7B3-C43677558FA3}" srcOrd="1" destOrd="0" parTransId="{E606DE71-8D17-416D-9E51-CBBA939669F3}" sibTransId="{504541AE-5D17-446C-913C-0A2F3915625D}"/>
+    <dgm:cxn modelId="{A44408C2-BDFA-49CA-B6AD-EE7894ACC921}" srcId="{E09A9692-5F5A-4C3B-8AB2-2A7999D73C2A}" destId="{9F98721E-6CDD-4FF0-8A56-313A62A1103F}" srcOrd="0" destOrd="0" parTransId="{30DBA6B7-FE93-45B4-B016-264BDA89C78E}" sibTransId="{0D1D3FCF-747D-4716-978B-2526831B7B3D}"/>
+    <dgm:cxn modelId="{78E0F67D-9FE5-484B-8E77-4CDA5EF74619}" type="presOf" srcId="{568FB92D-AF12-4A0D-A59C-BD176FE51465}" destId="{CBDD955F-F111-4D88-B96A-53041667B722}" srcOrd="0" destOrd="0" presId="urn:microsoft.com/office/officeart/2005/8/layout/hierarchy4"/>
+    <dgm:cxn modelId="{B46E384B-869F-4CF7-9A57-6B487C33B12A}" type="presOf" srcId="{005515C7-40B0-4937-9B5E-BCB9C50705CF}" destId="{1C005DB6-8D3D-4529-ACBF-EA17D735DB59}" srcOrd="0" destOrd="0" presId="urn:microsoft.com/office/officeart/2005/8/layout/hierarchy4"/>
+    <dgm:cxn modelId="{E49CC3E2-395B-4A06-8D13-F7D1F6E053BC}" type="presOf" srcId="{9F98721E-6CDD-4FF0-8A56-313A62A1103F}" destId="{3EEEC3CE-15AD-4D73-ABA0-9C35AA905587}" srcOrd="0" destOrd="0" presId="urn:microsoft.com/office/officeart/2005/8/layout/hierarchy4"/>
+    <dgm:cxn modelId="{C7A96B2E-9351-4985-B474-FAED799093BD}" type="presOf" srcId="{3401008F-B9AD-40AF-BB1F-AA2D30EB6424}" destId="{41B453C3-C7BB-4660-8DB5-C6FAAC245EE1}" srcOrd="0" destOrd="0" presId="urn:microsoft.com/office/officeart/2005/8/layout/hierarchy4"/>
+    <dgm:cxn modelId="{35DAC51B-C32A-4B55-AB93-C14929CD6C89}" srcId="{568FB92D-AF12-4A0D-A59C-BD176FE51465}" destId="{BFCBFF4C-6217-4B05-88B1-6DA36E5D0164}" srcOrd="0" destOrd="0" parTransId="{AFB8E4DF-EDCE-4FAC-9625-6ECC877BE265}" sibTransId="{1ABF9B4B-D23F-4970-A702-672F7406D11E}"/>
     <dgm:cxn modelId="{2F3EA0F3-1051-487E-AF8C-4F3B8891455E}" type="presOf" srcId="{98A81B6E-87B6-4440-A6E2-773AA8401C6B}" destId="{1938F2E6-A0F2-4A41-9FFF-6A8305F92277}" srcOrd="0" destOrd="0" presId="urn:microsoft.com/office/officeart/2005/8/layout/hierarchy4"/>
-    <dgm:cxn modelId="{B46E384B-869F-4CF7-9A57-6B487C33B12A}" type="presOf" srcId="{005515C7-40B0-4937-9B5E-BCB9C50705CF}" destId="{1C005DB6-8D3D-4529-ACBF-EA17D735DB59}" srcOrd="0" destOrd="0" presId="urn:microsoft.com/office/officeart/2005/8/layout/hierarchy4"/>
-    <dgm:cxn modelId="{31B0C719-A596-442E-B768-246E153D5CFB}" srcId="{005515C7-40B0-4937-9B5E-BCB9C50705CF}" destId="{98A81B6E-87B6-4440-A6E2-773AA8401C6B}" srcOrd="0" destOrd="0" parTransId="{2FC73ECF-C773-4FCD-8979-8BF8E0319EEF}" sibTransId="{61425F12-A97A-4EF2-86C5-507AD399AC1A}"/>
-    <dgm:cxn modelId="{E3C8EA3A-1E65-43B5-9319-11DC2E6581E0}" srcId="{3401008F-B9AD-40AF-BB1F-AA2D30EB6424}" destId="{005515C7-40B0-4937-9B5E-BCB9C50705CF}" srcOrd="0" destOrd="0" parTransId="{AF6541E3-6880-45D8-AF42-97125370CBF1}" sibTransId="{AB31581B-6AB5-4954-9D3F-64538FA76204}"/>
-    <dgm:cxn modelId="{78E0F67D-9FE5-484B-8E77-4CDA5EF74619}" type="presOf" srcId="{568FB92D-AF12-4A0D-A59C-BD176FE51465}" destId="{CBDD955F-F111-4D88-B96A-53041667B722}" srcOrd="0" destOrd="0" presId="urn:microsoft.com/office/officeart/2005/8/layout/hierarchy4"/>
+    <dgm:cxn modelId="{C08902F3-BB0C-4668-A972-3E3567B18FE7}" type="presOf" srcId="{5ED991FC-BB62-49A0-B7B3-C43677558FA3}" destId="{3E5AD6F9-6FE1-4504-95FA-6972E74B99E5}" srcOrd="0" destOrd="0" presId="urn:microsoft.com/office/officeart/2005/8/layout/hierarchy4"/>
     <dgm:cxn modelId="{67D8C926-C27F-483A-9BB8-41DE96A06028}" type="presOf" srcId="{E09A9692-5F5A-4C3B-8AB2-2A7999D73C2A}" destId="{15D40E1C-8A5E-4049-B1BC-39CF2580E305}" srcOrd="0" destOrd="0" presId="urn:microsoft.com/office/officeart/2005/8/layout/hierarchy4"/>
-    <dgm:cxn modelId="{C7A96B2E-9351-4985-B474-FAED799093BD}" type="presOf" srcId="{3401008F-B9AD-40AF-BB1F-AA2D30EB6424}" destId="{41B453C3-C7BB-4660-8DB5-C6FAAC245EE1}" srcOrd="0" destOrd="0" presId="urn:microsoft.com/office/officeart/2005/8/layout/hierarchy4"/>
-    <dgm:cxn modelId="{63BAF35F-4027-4661-9018-4944A86C9985}" srcId="{E09A9692-5F5A-4C3B-8AB2-2A7999D73C2A}" destId="{5ED991FC-BB62-49A0-B7B3-C43677558FA3}" srcOrd="1" destOrd="0" parTransId="{E606DE71-8D17-416D-9E51-CBBA939669F3}" sibTransId="{504541AE-5D17-446C-913C-0A2F3915625D}"/>
-    <dgm:cxn modelId="{E49CC3E2-395B-4A06-8D13-F7D1F6E053BC}" type="presOf" srcId="{9F98721E-6CDD-4FF0-8A56-313A62A1103F}" destId="{3EEEC3CE-15AD-4D73-ABA0-9C35AA905587}" srcOrd="0" destOrd="0" presId="urn:microsoft.com/office/officeart/2005/8/layout/hierarchy4"/>
     <dgm:cxn modelId="{3543822E-5B17-492A-ADE6-B09230A380CA}" srcId="{98A81B6E-87B6-4440-A6E2-773AA8401C6B}" destId="{A9CFC87A-3812-4FB8-9A5C-2D08C97D7848}" srcOrd="0" destOrd="0" parTransId="{F5E69845-DF39-4F67-8676-D6F747F895CC}" sibTransId="{4339EA0A-AA1A-482C-98E9-1065BB6148DE}"/>
     <dgm:cxn modelId="{9713A685-D6E9-4BAB-98DB-863C2EB7AF79}" srcId="{005515C7-40B0-4937-9B5E-BCB9C50705CF}" destId="{568FB92D-AF12-4A0D-A59C-BD176FE51465}" srcOrd="1" destOrd="0" parTransId="{F759B4A4-1102-431A-91E5-A400632B36FC}" sibTransId="{76E35B14-B6DA-4C09-80D2-3051220CB63A}"/>
-    <dgm:cxn modelId="{FCAF5EBB-98BB-4CC6-8FBF-0597DBCAAB58}" srcId="{005515C7-40B0-4937-9B5E-BCB9C50705CF}" destId="{E09A9692-5F5A-4C3B-8AB2-2A7999D73C2A}" srcOrd="2" destOrd="0" parTransId="{9CE724B6-3AB1-4FB3-B6B0-33EE772890F5}" sibTransId="{FB78370A-DDB5-4DB0-BB98-1427F69D37BB}"/>
-    <dgm:cxn modelId="{35DAC51B-C32A-4B55-AB93-C14929CD6C89}" srcId="{568FB92D-AF12-4A0D-A59C-BD176FE51465}" destId="{BFCBFF4C-6217-4B05-88B1-6DA36E5D0164}" srcOrd="0" destOrd="0" parTransId="{AFB8E4DF-EDCE-4FAC-9625-6ECC877BE265}" sibTransId="{1ABF9B4B-D23F-4970-A702-672F7406D11E}"/>
-    <dgm:cxn modelId="{C08902F3-BB0C-4668-A972-3E3567B18FE7}" type="presOf" srcId="{5ED991FC-BB62-49A0-B7B3-C43677558FA3}" destId="{3E5AD6F9-6FE1-4504-95FA-6972E74B99E5}" srcOrd="0" destOrd="0" presId="urn:microsoft.com/office/officeart/2005/8/layout/hierarchy4"/>
-    <dgm:cxn modelId="{A44408C2-BDFA-49CA-B6AD-EE7894ACC921}" srcId="{E09A9692-5F5A-4C3B-8AB2-2A7999D73C2A}" destId="{9F98721E-6CDD-4FF0-8A56-313A62A1103F}" srcOrd="0" destOrd="0" parTransId="{30DBA6B7-FE93-45B4-B016-264BDA89C78E}" sibTransId="{0D1D3FCF-747D-4716-978B-2526831B7B3D}"/>
     <dgm:cxn modelId="{43224EC0-E28F-4C8D-9220-E66AA49F0F48}" type="presOf" srcId="{A9CFC87A-3812-4FB8-9A5C-2D08C97D7848}" destId="{08F020E3-7501-402E-A831-1CCA9EE0B630}" srcOrd="0" destOrd="0" presId="urn:microsoft.com/office/officeart/2005/8/layout/hierarchy4"/>
     <dgm:cxn modelId="{F26E6936-BD27-4679-B971-CEDD9A940197}" type="presOf" srcId="{BFCBFF4C-6217-4B05-88B1-6DA36E5D0164}" destId="{12242F64-7F92-4833-BB20-A52CDF240C1B}" srcOrd="0" destOrd="0" presId="urn:microsoft.com/office/officeart/2005/8/layout/hierarchy4"/>
+    <dgm:cxn modelId="{E3C8EA3A-1E65-43B5-9319-11DC2E6581E0}" srcId="{3401008F-B9AD-40AF-BB1F-AA2D30EB6424}" destId="{005515C7-40B0-4937-9B5E-BCB9C50705CF}" srcOrd="0" destOrd="0" parTransId="{AF6541E3-6880-45D8-AF42-97125370CBF1}" sibTransId="{AB31581B-6AB5-4954-9D3F-64538FA76204}"/>
+    <dgm:cxn modelId="{31B0C719-A596-442E-B768-246E153D5CFB}" srcId="{005515C7-40B0-4937-9B5E-BCB9C50705CF}" destId="{98A81B6E-87B6-4440-A6E2-773AA8401C6B}" srcOrd="0" destOrd="0" parTransId="{2FC73ECF-C773-4FCD-8979-8BF8E0319EEF}" sibTransId="{61425F12-A97A-4EF2-86C5-507AD399AC1A}"/>
     <dgm:cxn modelId="{77F9F9B4-1D7F-4630-8DEC-F3F1B48CE786}" type="presParOf" srcId="{41B453C3-C7BB-4660-8DB5-C6FAAC245EE1}" destId="{EF0D6C93-5BBF-4758-B3C1-37C832A14BEB}" srcOrd="0" destOrd="0" presId="urn:microsoft.com/office/officeart/2005/8/layout/hierarchy4"/>
     <dgm:cxn modelId="{CF870438-9D68-41EA-9751-775E79E2E35F}" type="presParOf" srcId="{EF0D6C93-5BBF-4758-B3C1-37C832A14BEB}" destId="{1C005DB6-8D3D-4529-ACBF-EA17D735DB59}" srcOrd="0" destOrd="0" presId="urn:microsoft.com/office/officeart/2005/8/layout/hierarchy4"/>
     <dgm:cxn modelId="{28A99AB5-1F41-4988-B869-FF7B5C5CF0D5}" type="presParOf" srcId="{EF0D6C93-5BBF-4758-B3C1-37C832A14BEB}" destId="{2CE3BC06-23A7-43AD-BBEF-CA453A16D410}" srcOrd="1" destOrd="0" presId="urn:microsoft.com/office/officeart/2005/8/layout/hierarchy4"/>
@@ -1490,8 +1530,8 @@
       </dsp:nvSpPr>
       <dsp:spPr>
         <a:xfrm>
-          <a:off x="0" y="1947"/>
-          <a:ext cx="8120300" cy="1709208"/>
+          <a:off x="0" y="27838"/>
+          <a:ext cx="7481104" cy="1555104"/>
         </a:xfrm>
         <a:prstGeom prst="roundRect">
           <a:avLst>
@@ -1562,8 +1602,8 @@
         </a:p>
       </dsp:txBody>
       <dsp:txXfrm>
-        <a:off x="50061" y="52008"/>
-        <a:ext cx="8020178" cy="1609086"/>
+        <a:off x="45547" y="73385"/>
+        <a:ext cx="7390010" cy="1464010"/>
       </dsp:txXfrm>
     </dsp:sp>
     <dsp:sp modelId="{1938F2E6-A0F2-4A41-9FFF-6A8305F92277}">
@@ -1573,8 +1613,8 @@
       </dsp:nvSpPr>
       <dsp:spPr>
         <a:xfrm>
-          <a:off x="3849" y="1854729"/>
-          <a:ext cx="1928812" cy="1709208"/>
+          <a:off x="3546" y="1687504"/>
+          <a:ext cx="1776984" cy="1555104"/>
         </a:xfrm>
         <a:prstGeom prst="roundRect">
           <a:avLst>
@@ -1617,12 +1657,12 @@
         </a:fontRef>
       </dsp:style>
       <dsp:txBody>
-        <a:bodyPr spcFirstLastPara="0" vert="horz" wrap="square" lIns="106680" tIns="106680" rIns="106680" bIns="106680" numCol="1" spcCol="1270" anchor="ctr" anchorCtr="0">
+        <a:bodyPr spcFirstLastPara="0" vert="horz" wrap="square" lIns="99060" tIns="99060" rIns="99060" bIns="99060" numCol="1" spcCol="1270" anchor="ctr" anchorCtr="0">
           <a:noAutofit/>
         </a:bodyPr>
         <a:lstStyle/>
         <a:p>
-          <a:pPr lvl="0" algn="ctr" defTabSz="1244600">
+          <a:pPr lvl="0" algn="ctr" defTabSz="1155700">
             <a:lnSpc>
               <a:spcPct val="90000"/>
             </a:lnSpc>
@@ -1634,15 +1674,15 @@
             </a:spcAft>
           </a:pPr>
           <a:r>
-            <a:rPr lang="de-DE" sz="2800" kern="1200" dirty="0" smtClean="0"/>
+            <a:rPr lang="de-DE" sz="2600" kern="1200" dirty="0" smtClean="0"/>
             <a:t>Web Frontend Layer</a:t>
           </a:r>
-          <a:endParaRPr lang="de-DE" sz="2800" kern="1200" dirty="0"/>
+          <a:endParaRPr lang="de-DE" sz="2600" kern="1200" dirty="0"/>
         </a:p>
       </dsp:txBody>
       <dsp:txXfrm>
-        <a:off x="53910" y="1904790"/>
-        <a:ext cx="1828690" cy="1609086"/>
+        <a:off x="49093" y="1733051"/>
+        <a:ext cx="1685890" cy="1464010"/>
       </dsp:txXfrm>
     </dsp:sp>
     <dsp:sp modelId="{08F020E3-7501-402E-A831-1CCA9EE0B630}">
@@ -1652,8 +1692,8 @@
       </dsp:nvSpPr>
       <dsp:spPr>
         <a:xfrm>
-          <a:off x="3849" y="3707511"/>
-          <a:ext cx="1928812" cy="1709208"/>
+          <a:off x="3546" y="3374881"/>
+          <a:ext cx="1776984" cy="1555104"/>
         </a:xfrm>
         <a:prstGeom prst="roundRect">
           <a:avLst>
@@ -1696,12 +1736,12 @@
         </a:fontRef>
       </dsp:style>
       <dsp:txBody>
-        <a:bodyPr spcFirstLastPara="0" vert="horz" wrap="square" lIns="95250" tIns="95250" rIns="95250" bIns="95250" numCol="1" spcCol="1270" anchor="ctr" anchorCtr="0">
+        <a:bodyPr spcFirstLastPara="0" vert="horz" wrap="square" lIns="83820" tIns="83820" rIns="83820" bIns="83820" numCol="1" spcCol="1270" anchor="ctr" anchorCtr="0">
           <a:noAutofit/>
         </a:bodyPr>
         <a:lstStyle/>
         <a:p>
-          <a:pPr lvl="0" algn="ctr" defTabSz="1111250">
+          <a:pPr lvl="0" algn="ctr" defTabSz="977900">
             <a:lnSpc>
               <a:spcPct val="90000"/>
             </a:lnSpc>
@@ -1713,19 +1753,19 @@
             </a:spcAft>
           </a:pPr>
           <a:r>
-            <a:rPr lang="de-DE" sz="2500" kern="1200" dirty="0" err="1" smtClean="0"/>
+            <a:rPr lang="de-DE" sz="2200" kern="1200" dirty="0" err="1" smtClean="0"/>
             <a:t>Thymeleaf</a:t>
           </a:r>
           <a:r>
-            <a:rPr lang="de-DE" sz="2500" kern="1200" dirty="0" smtClean="0"/>
+            <a:rPr lang="de-DE" sz="2200" kern="1200" dirty="0" smtClean="0"/>
             <a:t> Templates</a:t>
           </a:r>
-          <a:endParaRPr lang="de-DE" sz="2500" kern="1200" dirty="0"/>
+          <a:endParaRPr lang="de-DE" sz="2200" kern="1200" dirty="0"/>
         </a:p>
       </dsp:txBody>
       <dsp:txXfrm>
-        <a:off x="53910" y="3757572"/>
-        <a:ext cx="1828690" cy="1609086"/>
+        <a:off x="49093" y="3420428"/>
+        <a:ext cx="1685890" cy="1464010"/>
       </dsp:txXfrm>
     </dsp:sp>
     <dsp:sp modelId="{CBDD955F-F111-4D88-B96A-53041667B722}">
@@ -1735,8 +1775,8 @@
       </dsp:nvSpPr>
       <dsp:spPr>
         <a:xfrm>
-          <a:off x="2094682" y="1854729"/>
-          <a:ext cx="1928812" cy="1709208"/>
+          <a:off x="1929797" y="1687504"/>
+          <a:ext cx="1776984" cy="1555104"/>
         </a:xfrm>
         <a:prstGeom prst="roundRect">
           <a:avLst>
@@ -1779,12 +1819,12 @@
         </a:fontRef>
       </dsp:style>
       <dsp:txBody>
-        <a:bodyPr spcFirstLastPara="0" vert="horz" wrap="square" lIns="106680" tIns="106680" rIns="106680" bIns="106680" numCol="1" spcCol="1270" anchor="ctr" anchorCtr="0">
+        <a:bodyPr spcFirstLastPara="0" vert="horz" wrap="square" lIns="99060" tIns="99060" rIns="99060" bIns="99060" numCol="1" spcCol="1270" anchor="ctr" anchorCtr="0">
           <a:noAutofit/>
         </a:bodyPr>
         <a:lstStyle/>
         <a:p>
-          <a:pPr lvl="0" algn="ctr" defTabSz="1244600">
+          <a:pPr lvl="0" algn="ctr" defTabSz="1155700">
             <a:lnSpc>
               <a:spcPct val="90000"/>
             </a:lnSpc>
@@ -1796,15 +1836,15 @@
             </a:spcAft>
           </a:pPr>
           <a:r>
-            <a:rPr lang="de-DE" sz="2800" kern="1200" dirty="0" smtClean="0"/>
+            <a:rPr lang="de-DE" sz="2600" kern="1200" dirty="0" smtClean="0"/>
             <a:t>Web Backend Layer</a:t>
           </a:r>
-          <a:endParaRPr lang="de-DE" sz="2800" kern="1200" dirty="0"/>
+          <a:endParaRPr lang="de-DE" sz="2600" kern="1200" dirty="0"/>
         </a:p>
       </dsp:txBody>
       <dsp:txXfrm>
-        <a:off x="2144743" y="1904790"/>
-        <a:ext cx="1828690" cy="1609086"/>
+        <a:off x="1975344" y="1733051"/>
+        <a:ext cx="1685890" cy="1464010"/>
       </dsp:txXfrm>
     </dsp:sp>
     <dsp:sp modelId="{12242F64-7F92-4833-BB20-A52CDF240C1B}">
@@ -1814,8 +1854,8 @@
       </dsp:nvSpPr>
       <dsp:spPr>
         <a:xfrm>
-          <a:off x="2094682" y="3707511"/>
-          <a:ext cx="1928812" cy="1709208"/>
+          <a:off x="1929797" y="3374881"/>
+          <a:ext cx="1776984" cy="1555104"/>
         </a:xfrm>
         <a:prstGeom prst="roundRect">
           <a:avLst>
@@ -1858,12 +1898,12 @@
         </a:fontRef>
       </dsp:style>
       <dsp:txBody>
-        <a:bodyPr spcFirstLastPara="0" vert="horz" wrap="square" lIns="95250" tIns="95250" rIns="95250" bIns="95250" numCol="1" spcCol="1270" anchor="ctr" anchorCtr="0">
+        <a:bodyPr spcFirstLastPara="0" vert="horz" wrap="square" lIns="83820" tIns="83820" rIns="83820" bIns="83820" numCol="1" spcCol="1270" anchor="ctr" anchorCtr="0">
           <a:noAutofit/>
         </a:bodyPr>
         <a:lstStyle/>
         <a:p>
-          <a:pPr lvl="0" algn="ctr" defTabSz="1111250">
+          <a:pPr lvl="0" algn="ctr" defTabSz="977900">
             <a:lnSpc>
               <a:spcPct val="90000"/>
             </a:lnSpc>
@@ -1875,15 +1915,15 @@
             </a:spcAft>
           </a:pPr>
           <a:r>
-            <a:rPr lang="de-DE" sz="2500" kern="1200" dirty="0" smtClean="0"/>
+            <a:rPr lang="de-DE" sz="2200" kern="1200" dirty="0" smtClean="0"/>
             <a:t>Spring Web MVC Controller</a:t>
           </a:r>
-          <a:endParaRPr lang="de-DE" sz="2500" kern="1200" dirty="0"/>
+          <a:endParaRPr lang="de-DE" sz="2200" kern="1200" dirty="0"/>
         </a:p>
       </dsp:txBody>
       <dsp:txXfrm>
-        <a:off x="2144743" y="3757572"/>
-        <a:ext cx="1828690" cy="1609086"/>
+        <a:off x="1975344" y="3420428"/>
+        <a:ext cx="1685890" cy="1464010"/>
       </dsp:txXfrm>
     </dsp:sp>
     <dsp:sp modelId="{15D40E1C-8A5E-4049-B1BC-39CF2580E305}">
@@ -1893,8 +1933,8 @@
       </dsp:nvSpPr>
       <dsp:spPr>
         <a:xfrm>
-          <a:off x="4185515" y="1854729"/>
-          <a:ext cx="3938635" cy="1709208"/>
+          <a:off x="3856049" y="1687504"/>
+          <a:ext cx="3628602" cy="1555104"/>
         </a:xfrm>
         <a:prstGeom prst="roundRect">
           <a:avLst>
@@ -1937,12 +1977,12 @@
         </a:fontRef>
       </dsp:style>
       <dsp:txBody>
-        <a:bodyPr spcFirstLastPara="0" vert="horz" wrap="square" lIns="106680" tIns="106680" rIns="106680" bIns="106680" numCol="1" spcCol="1270" anchor="ctr" anchorCtr="0">
+        <a:bodyPr spcFirstLastPara="0" vert="horz" wrap="square" lIns="99060" tIns="99060" rIns="99060" bIns="99060" numCol="1" spcCol="1270" anchor="ctr" anchorCtr="0">
           <a:noAutofit/>
         </a:bodyPr>
         <a:lstStyle/>
         <a:p>
-          <a:pPr lvl="0" algn="ctr" defTabSz="1244600">
+          <a:pPr lvl="0" algn="ctr" defTabSz="1155700">
             <a:lnSpc>
               <a:spcPct val="90000"/>
             </a:lnSpc>
@@ -1954,15 +1994,15 @@
             </a:spcAft>
           </a:pPr>
           <a:r>
-            <a:rPr lang="de-DE" sz="2800" kern="1200" dirty="0" smtClean="0"/>
+            <a:rPr lang="de-DE" sz="2600" kern="1200" dirty="0" smtClean="0"/>
             <a:t>Data Service Layer</a:t>
           </a:r>
-          <a:endParaRPr lang="de-DE" sz="2800" kern="1200" dirty="0"/>
+          <a:endParaRPr lang="de-DE" sz="2600" kern="1200" dirty="0"/>
         </a:p>
       </dsp:txBody>
       <dsp:txXfrm>
-        <a:off x="4235576" y="1904790"/>
-        <a:ext cx="3838513" cy="1609086"/>
+        <a:off x="3901596" y="1733051"/>
+        <a:ext cx="3537508" cy="1464010"/>
       </dsp:txXfrm>
     </dsp:sp>
     <dsp:sp modelId="{3EEEC3CE-15AD-4D73-ABA0-9C35AA905587}">
@@ -1972,8 +2012,8 @@
       </dsp:nvSpPr>
       <dsp:spPr>
         <a:xfrm>
-          <a:off x="4185515" y="3707511"/>
-          <a:ext cx="1928812" cy="1709208"/>
+          <a:off x="3856049" y="3374881"/>
+          <a:ext cx="1776984" cy="1555104"/>
         </a:xfrm>
         <a:prstGeom prst="roundRect">
           <a:avLst>
@@ -2016,12 +2056,12 @@
         </a:fontRef>
       </dsp:style>
       <dsp:txBody>
-        <a:bodyPr spcFirstLastPara="0" vert="horz" wrap="square" lIns="95250" tIns="95250" rIns="95250" bIns="95250" numCol="1" spcCol="1270" anchor="ctr" anchorCtr="0">
+        <a:bodyPr spcFirstLastPara="0" vert="horz" wrap="square" lIns="83820" tIns="83820" rIns="83820" bIns="83820" numCol="1" spcCol="1270" anchor="ctr" anchorCtr="0">
           <a:noAutofit/>
         </a:bodyPr>
         <a:lstStyle/>
         <a:p>
-          <a:pPr lvl="0" algn="ctr" defTabSz="1111250">
+          <a:pPr lvl="0" algn="ctr" defTabSz="977900">
             <a:lnSpc>
               <a:spcPct val="90000"/>
             </a:lnSpc>
@@ -2033,19 +2073,19 @@
             </a:spcAft>
           </a:pPr>
           <a:r>
-            <a:rPr lang="de-DE" sz="2500" kern="1200" dirty="0" err="1" smtClean="0"/>
+            <a:rPr lang="de-DE" sz="2200" kern="1200" dirty="0" err="1" smtClean="0"/>
             <a:t>Contact</a:t>
           </a:r>
           <a:r>
-            <a:rPr lang="de-DE" sz="2500" kern="1200" dirty="0" smtClean="0"/>
+            <a:rPr lang="de-DE" sz="2200" kern="1200" dirty="0" smtClean="0"/>
             <a:t> Person Data Repository</a:t>
           </a:r>
-          <a:endParaRPr lang="de-DE" sz="2500" kern="1200" dirty="0"/>
+          <a:endParaRPr lang="de-DE" sz="2200" kern="1200" dirty="0"/>
         </a:p>
       </dsp:txBody>
       <dsp:txXfrm>
-        <a:off x="4235576" y="3757572"/>
-        <a:ext cx="1828690" cy="1609086"/>
+        <a:off x="3901596" y="3420428"/>
+        <a:ext cx="1685890" cy="1464010"/>
       </dsp:txXfrm>
     </dsp:sp>
     <dsp:sp modelId="{3E5AD6F9-6FE1-4504-95FA-6972E74B99E5}">
@@ -2055,8 +2095,8 @@
       </dsp:nvSpPr>
       <dsp:spPr>
         <a:xfrm>
-          <a:off x="6195337" y="3707511"/>
-          <a:ext cx="1928812" cy="1709208"/>
+          <a:off x="5707666" y="3374881"/>
+          <a:ext cx="1776984" cy="1555104"/>
         </a:xfrm>
         <a:prstGeom prst="roundRect">
           <a:avLst>
@@ -2099,12 +2139,12 @@
         </a:fontRef>
       </dsp:style>
       <dsp:txBody>
-        <a:bodyPr spcFirstLastPara="0" vert="horz" wrap="square" lIns="95250" tIns="95250" rIns="95250" bIns="95250" numCol="1" spcCol="1270" anchor="ctr" anchorCtr="0">
+        <a:bodyPr spcFirstLastPara="0" vert="horz" wrap="square" lIns="83820" tIns="83820" rIns="83820" bIns="83820" numCol="1" spcCol="1270" anchor="ctr" anchorCtr="0">
           <a:noAutofit/>
         </a:bodyPr>
         <a:lstStyle/>
         <a:p>
-          <a:pPr lvl="0" algn="ctr" defTabSz="1111250">
+          <a:pPr lvl="0" algn="ctr" defTabSz="977900">
             <a:lnSpc>
               <a:spcPct val="90000"/>
             </a:lnSpc>
@@ -2116,15 +2156,15 @@
             </a:spcAft>
           </a:pPr>
           <a:r>
-            <a:rPr lang="de-DE" sz="2500" kern="1200" dirty="0" smtClean="0"/>
+            <a:rPr lang="de-DE" sz="2200" kern="1200" dirty="0" smtClean="0"/>
             <a:t>Team Data Repository</a:t>
           </a:r>
-          <a:endParaRPr lang="de-DE" sz="2500" kern="1200" dirty="0"/>
+          <a:endParaRPr lang="de-DE" sz="2200" kern="1200" dirty="0"/>
         </a:p>
       </dsp:txBody>
       <dsp:txXfrm>
-        <a:off x="6245398" y="3757572"/>
-        <a:ext cx="1828690" cy="1609086"/>
+        <a:off x="5753213" y="3420428"/>
+        <a:ext cx="1685890" cy="1464010"/>
       </dsp:txXfrm>
     </dsp:sp>
   </dsp:spTree>
@@ -3875,7 +3915,7 @@
           <a:p>
             <a:fld id="{B9DAAB4E-25A2-4982-8502-5F3A63504B19}" type="datetimeFigureOut">
               <a:rPr lang="de-DE" smtClean="0"/>
-              <a:t>22.11.2017</a:t>
+              <a:t>25.11.2017</a:t>
             </a:fld>
             <a:endParaRPr lang="de-DE"/>
           </a:p>
@@ -4004,7 +4044,7 @@
           <a:p>
             <a:fld id="{35709BD2-D9DC-47B2-A0C0-F86F15A74083}" type="slidenum">
               <a:rPr lang="de-DE" smtClean="0"/>
-              <a:t>‹Nr.›</a:t>
+              <a:t>‹#›</a:t>
             </a:fld>
             <a:endParaRPr lang="de-DE"/>
           </a:p>
@@ -4213,7 +4253,7 @@
           <a:p>
             <a:fld id="{B9DAAB4E-25A2-4982-8502-5F3A63504B19}" type="datetimeFigureOut">
               <a:rPr lang="de-DE" smtClean="0"/>
-              <a:t>22.11.2017</a:t>
+              <a:t>25.11.2017</a:t>
             </a:fld>
             <a:endParaRPr lang="de-DE"/>
           </a:p>
@@ -4342,7 +4382,7 @@
           <a:p>
             <a:fld id="{35709BD2-D9DC-47B2-A0C0-F86F15A74083}" type="slidenum">
               <a:rPr lang="de-DE" smtClean="0"/>
-              <a:t>‹Nr.›</a:t>
+              <a:t>‹#›</a:t>
             </a:fld>
             <a:endParaRPr lang="de-DE"/>
           </a:p>
@@ -4614,7 +4654,7 @@
           <a:p>
             <a:fld id="{B9DAAB4E-25A2-4982-8502-5F3A63504B19}" type="datetimeFigureOut">
               <a:rPr lang="de-DE" smtClean="0"/>
-              <a:t>22.11.2017</a:t>
+              <a:t>25.11.2017</a:t>
             </a:fld>
             <a:endParaRPr lang="de-DE"/>
           </a:p>
@@ -4743,7 +4783,7 @@
           <a:p>
             <a:fld id="{35709BD2-D9DC-47B2-A0C0-F86F15A74083}" type="slidenum">
               <a:rPr lang="de-DE" smtClean="0"/>
-              <a:t>‹Nr.›</a:t>
+              <a:t>‹#›</a:t>
             </a:fld>
             <a:endParaRPr lang="de-DE"/>
           </a:p>
@@ -4950,7 +4990,7 @@
           <a:p>
             <a:fld id="{B9DAAB4E-25A2-4982-8502-5F3A63504B19}" type="datetimeFigureOut">
               <a:rPr lang="de-DE" smtClean="0"/>
-              <a:t>22.11.2017</a:t>
+              <a:t>25.11.2017</a:t>
             </a:fld>
             <a:endParaRPr lang="de-DE"/>
           </a:p>
@@ -5079,7 +5119,7 @@
           <a:p>
             <a:fld id="{35709BD2-D9DC-47B2-A0C0-F86F15A74083}" type="slidenum">
               <a:rPr lang="de-DE" smtClean="0"/>
-              <a:t>‹Nr.›</a:t>
+              <a:t>‹#›</a:t>
             </a:fld>
             <a:endParaRPr lang="de-DE"/>
           </a:p>
@@ -5270,7 +5310,7 @@
           <a:p>
             <a:fld id="{B9DAAB4E-25A2-4982-8502-5F3A63504B19}" type="datetimeFigureOut">
               <a:rPr lang="de-DE" smtClean="0"/>
-              <a:t>22.11.2017</a:t>
+              <a:t>25.11.2017</a:t>
             </a:fld>
             <a:endParaRPr lang="de-DE"/>
           </a:p>
@@ -5399,7 +5439,7 @@
           <a:p>
             <a:fld id="{35709BD2-D9DC-47B2-A0C0-F86F15A74083}" type="slidenum">
               <a:rPr lang="de-DE" smtClean="0"/>
-              <a:t>‹Nr.›</a:t>
+              <a:t>‹#›</a:t>
             </a:fld>
             <a:endParaRPr lang="de-DE"/>
           </a:p>
@@ -5666,7 +5706,7 @@
           <a:p>
             <a:fld id="{B9DAAB4E-25A2-4982-8502-5F3A63504B19}" type="datetimeFigureOut">
               <a:rPr lang="de-DE" smtClean="0"/>
-              <a:t>22.11.2017</a:t>
+              <a:t>25.11.2017</a:t>
             </a:fld>
             <a:endParaRPr lang="de-DE"/>
           </a:p>
@@ -5795,7 +5835,7 @@
           <a:p>
             <a:fld id="{35709BD2-D9DC-47B2-A0C0-F86F15A74083}" type="slidenum">
               <a:rPr lang="de-DE" smtClean="0"/>
-              <a:t>‹Nr.›</a:t>
+              <a:t>‹#›</a:t>
             </a:fld>
             <a:endParaRPr lang="de-DE"/>
           </a:p>
@@ -5923,7 +5963,7 @@
           <a:p>
             <a:fld id="{B9DAAB4E-25A2-4982-8502-5F3A63504B19}" type="datetimeFigureOut">
               <a:rPr lang="de-DE" smtClean="0"/>
-              <a:t>22.11.2017</a:t>
+              <a:t>25.11.2017</a:t>
             </a:fld>
             <a:endParaRPr lang="de-DE"/>
           </a:p>
@@ -6047,7 +6087,7 @@
           <a:p>
             <a:fld id="{35709BD2-D9DC-47B2-A0C0-F86F15A74083}" type="slidenum">
               <a:rPr lang="de-DE" smtClean="0"/>
-              <a:t>‹Nr.›</a:t>
+              <a:t>‹#›</a:t>
             </a:fld>
             <a:endParaRPr lang="de-DE"/>
           </a:p>
@@ -6185,7 +6225,7 @@
           <a:p>
             <a:fld id="{B9DAAB4E-25A2-4982-8502-5F3A63504B19}" type="datetimeFigureOut">
               <a:rPr lang="de-DE" smtClean="0"/>
-              <a:t>22.11.2017</a:t>
+              <a:t>25.11.2017</a:t>
             </a:fld>
             <a:endParaRPr lang="de-DE"/>
           </a:p>
@@ -6309,7 +6349,7 @@
           <a:p>
             <a:fld id="{35709BD2-D9DC-47B2-A0C0-F86F15A74083}" type="slidenum">
               <a:rPr lang="de-DE" smtClean="0"/>
-              <a:t>‹Nr.›</a:t>
+              <a:t>‹#›</a:t>
             </a:fld>
             <a:endParaRPr lang="de-DE"/>
           </a:p>
@@ -6447,7 +6487,7 @@
           <a:p>
             <a:fld id="{B9DAAB4E-25A2-4982-8502-5F3A63504B19}" type="datetimeFigureOut">
               <a:rPr lang="de-DE" smtClean="0"/>
-              <a:t>22.11.2017</a:t>
+              <a:t>25.11.2017</a:t>
             </a:fld>
             <a:endParaRPr lang="de-DE"/>
           </a:p>
@@ -6571,7 +6611,7 @@
           <a:p>
             <a:fld id="{35709BD2-D9DC-47B2-A0C0-F86F15A74083}" type="slidenum">
               <a:rPr lang="de-DE" smtClean="0"/>
-              <a:t>‹Nr.›</a:t>
+              <a:t>‹#›</a:t>
             </a:fld>
             <a:endParaRPr lang="de-DE"/>
           </a:p>
@@ -6776,7 +6816,7 @@
           <a:p>
             <a:fld id="{B9DAAB4E-25A2-4982-8502-5F3A63504B19}" type="datetimeFigureOut">
               <a:rPr lang="de-DE" smtClean="0"/>
-              <a:t>22.11.2017</a:t>
+              <a:t>25.11.2017</a:t>
             </a:fld>
             <a:endParaRPr lang="de-DE"/>
           </a:p>
@@ -6905,7 +6945,7 @@
           <a:p>
             <a:fld id="{35709BD2-D9DC-47B2-A0C0-F86F15A74083}" type="slidenum">
               <a:rPr lang="de-DE" smtClean="0"/>
-              <a:t>‹Nr.›</a:t>
+              <a:t>‹#›</a:t>
             </a:fld>
             <a:endParaRPr lang="de-DE"/>
           </a:p>
@@ -7099,7 +7139,7 @@
           <a:p>
             <a:fld id="{B9DAAB4E-25A2-4982-8502-5F3A63504B19}" type="datetimeFigureOut">
               <a:rPr lang="de-DE" smtClean="0"/>
-              <a:t>22.11.2017</a:t>
+              <a:t>25.11.2017</a:t>
             </a:fld>
             <a:endParaRPr lang="de-DE"/>
           </a:p>
@@ -7228,7 +7268,7 @@
           <a:p>
             <a:fld id="{35709BD2-D9DC-47B2-A0C0-F86F15A74083}" type="slidenum">
               <a:rPr lang="de-DE" smtClean="0"/>
-              <a:t>‹Nr.›</a:t>
+              <a:t>‹#›</a:t>
             </a:fld>
             <a:endParaRPr lang="de-DE"/>
           </a:p>
@@ -7556,7 +7596,7 @@
           <a:p>
             <a:fld id="{B9DAAB4E-25A2-4982-8502-5F3A63504B19}" type="datetimeFigureOut">
               <a:rPr lang="de-DE" smtClean="0"/>
-              <a:t>22.11.2017</a:t>
+              <a:t>25.11.2017</a:t>
             </a:fld>
             <a:endParaRPr lang="de-DE"/>
           </a:p>
@@ -7685,7 +7725,7 @@
           <a:p>
             <a:fld id="{35709BD2-D9DC-47B2-A0C0-F86F15A74083}" type="slidenum">
               <a:rPr lang="de-DE" smtClean="0"/>
-              <a:t>‹Nr.›</a:t>
+              <a:t>‹#›</a:t>
             </a:fld>
             <a:endParaRPr lang="de-DE"/>
           </a:p>
@@ -7761,7 +7801,7 @@
           <a:p>
             <a:fld id="{B9DAAB4E-25A2-4982-8502-5F3A63504B19}" type="datetimeFigureOut">
               <a:rPr lang="de-DE" smtClean="0"/>
-              <a:t>22.11.2017</a:t>
+              <a:t>25.11.2017</a:t>
             </a:fld>
             <a:endParaRPr lang="de-DE"/>
           </a:p>
@@ -7885,7 +7925,7 @@
           <a:p>
             <a:fld id="{35709BD2-D9DC-47B2-A0C0-F86F15A74083}" type="slidenum">
               <a:rPr lang="de-DE" smtClean="0"/>
-              <a:t>‹Nr.›</a:t>
+              <a:t>‹#›</a:t>
             </a:fld>
             <a:endParaRPr lang="de-DE"/>
           </a:p>
@@ -7938,7 +7978,7 @@
           <a:p>
             <a:fld id="{B9DAAB4E-25A2-4982-8502-5F3A63504B19}" type="datetimeFigureOut">
               <a:rPr lang="de-DE" smtClean="0"/>
-              <a:t>22.11.2017</a:t>
+              <a:t>25.11.2017</a:t>
             </a:fld>
             <a:endParaRPr lang="de-DE"/>
           </a:p>
@@ -8062,7 +8102,7 @@
           <a:p>
             <a:fld id="{35709BD2-D9DC-47B2-A0C0-F86F15A74083}" type="slidenum">
               <a:rPr lang="de-DE" smtClean="0"/>
-              <a:t>‹Nr.›</a:t>
+              <a:t>‹#›</a:t>
             </a:fld>
             <a:endParaRPr lang="de-DE"/>
           </a:p>
@@ -8271,7 +8311,7 @@
           <a:p>
             <a:fld id="{B9DAAB4E-25A2-4982-8502-5F3A63504B19}" type="datetimeFigureOut">
               <a:rPr lang="de-DE" smtClean="0"/>
-              <a:t>22.11.2017</a:t>
+              <a:t>25.11.2017</a:t>
             </a:fld>
             <a:endParaRPr lang="de-DE"/>
           </a:p>
@@ -8395,7 +8435,7 @@
           <a:p>
             <a:fld id="{35709BD2-D9DC-47B2-A0C0-F86F15A74083}" type="slidenum">
               <a:rPr lang="de-DE" smtClean="0"/>
-              <a:t>‹Nr.›</a:t>
+              <a:t>‹#›</a:t>
             </a:fld>
             <a:endParaRPr lang="de-DE"/>
           </a:p>
@@ -8616,7 +8656,7 @@
           <a:p>
             <a:fld id="{B9DAAB4E-25A2-4982-8502-5F3A63504B19}" type="datetimeFigureOut">
               <a:rPr lang="de-DE" smtClean="0"/>
-              <a:t>22.11.2017</a:t>
+              <a:t>25.11.2017</a:t>
             </a:fld>
             <a:endParaRPr lang="de-DE"/>
           </a:p>
@@ -8745,7 +8785,7 @@
           <a:p>
             <a:fld id="{35709BD2-D9DC-47B2-A0C0-F86F15A74083}" type="slidenum">
               <a:rPr lang="de-DE" smtClean="0"/>
-              <a:t>‹Nr.›</a:t>
+              <a:t>‹#›</a:t>
             </a:fld>
             <a:endParaRPr lang="de-DE"/>
           </a:p>
@@ -10733,7 +10773,7 @@
           <a:p>
             <a:fld id="{B9DAAB4E-25A2-4982-8502-5F3A63504B19}" type="datetimeFigureOut">
               <a:rPr lang="de-DE" smtClean="0"/>
-              <a:t>22.11.2017</a:t>
+              <a:t>25.11.2017</a:t>
             </a:fld>
             <a:endParaRPr lang="de-DE"/>
           </a:p>
@@ -10809,7 +10849,7 @@
           <a:p>
             <a:fld id="{35709BD2-D9DC-47B2-A0C0-F86F15A74083}" type="slidenum">
               <a:rPr lang="de-DE" smtClean="0"/>
-              <a:t>‹Nr.›</a:t>
+              <a:t>‹#›</a:t>
             </a:fld>
             <a:endParaRPr lang="de-DE"/>
           </a:p>
@@ -11327,6 +11367,13 @@
   <p:clrMapOvr>
     <a:masterClrMapping/>
   </p:clrMapOvr>
+  <p:timing>
+    <p:tnLst>
+      <p:par>
+        <p:cTn id="1" dur="indefinite" restart="never" nodeType="tmRoot"/>
+      </p:par>
+    </p:tnLst>
+  </p:timing>
 </p:sld>
 </file>
 
@@ -11651,6 +11698,13 @@
   <p:clrMapOvr>
     <a:masterClrMapping/>
   </p:clrMapOvr>
+  <p:timing>
+    <p:tnLst>
+      <p:par>
+        <p:cTn id="1" dur="indefinite" restart="never" nodeType="tmRoot"/>
+      </p:par>
+    </p:tnLst>
+  </p:timing>
 </p:sld>
 </file>
 
@@ -11701,14 +11755,14 @@
           <p:nvPr>
             <p:extLst>
               <p:ext uri="{D42A27DB-BD31-4B8C-83A1-F6EECF244321}">
-                <p14:modId xmlns:p14="http://schemas.microsoft.com/office/powerpoint/2010/main" val="3725933317"/>
+                <p14:modId xmlns:p14="http://schemas.microsoft.com/office/powerpoint/2010/main" val="3574085229"/>
               </p:ext>
             </p:extLst>
           </p:nvPr>
         </p:nvGraphicFramePr>
         <p:xfrm>
-          <a:off x="2592925" y="1332141"/>
-          <a:ext cx="8128000" cy="5418667"/>
+          <a:off x="2660072" y="1461451"/>
+          <a:ext cx="7488198" cy="4930114"/>
         </p:xfrm>
         <a:graphic>
           <a:graphicData uri="http://schemas.openxmlformats.org/drawingml/2006/diagram">
@@ -11726,6 +11780,13 @@
   <p:clrMapOvr>
     <a:masterClrMapping/>
   </p:clrMapOvr>
+  <p:timing>
+    <p:tnLst>
+      <p:par>
+        <p:cTn id="1" dur="indefinite" restart="never" nodeType="tmRoot"/>
+      </p:par>
+    </p:tnLst>
+  </p:timing>
 </p:sld>
 </file>
 
@@ -12299,6 +12360,13 @@
   <p:clrMapOvr>
     <a:masterClrMapping/>
   </p:clrMapOvr>
+  <p:timing>
+    <p:tnLst>
+      <p:par>
+        <p:cTn id="1" dur="indefinite" restart="never" nodeType="tmRoot"/>
+      </p:par>
+    </p:tnLst>
+  </p:timing>
 </p:sld>
 </file>
 
@@ -12358,13 +12426,13 @@
         </p:nvSpPr>
         <p:spPr>
           <a:xfrm>
-            <a:off x="2589212" y="1626669"/>
-            <a:ext cx="8915400" cy="4822257"/>
+            <a:off x="2592925" y="1330036"/>
+            <a:ext cx="9158576" cy="5421745"/>
           </a:xfrm>
         </p:spPr>
         <p:txBody>
           <a:bodyPr>
-            <a:normAutofit fontScale="77500" lnSpcReduction="20000"/>
+            <a:normAutofit fontScale="92500" lnSpcReduction="20000"/>
           </a:bodyPr>
           <a:lstStyle/>
           <a:p>
@@ -12904,6 +12972,13 @@
   <p:clrMapOvr>
     <a:masterClrMapping/>
   </p:clrMapOvr>
+  <p:timing>
+    <p:tnLst>
+      <p:par>
+        <p:cTn id="1" dur="indefinite" restart="never" nodeType="tmRoot"/>
+      </p:par>
+    </p:tnLst>
+  </p:timing>
 </p:sld>
 </file>
 
@@ -13675,6 +13750,13 @@
   <p:clrMapOvr>
     <a:masterClrMapping/>
   </p:clrMapOvr>
+  <p:timing>
+    <p:tnLst>
+      <p:par>
+        <p:cTn id="1" dur="indefinite" restart="never" nodeType="tmRoot"/>
+      </p:par>
+    </p:tnLst>
+  </p:timing>
 </p:sld>
 </file>
 
@@ -14143,6 +14225,13 @@
   <p:clrMapOvr>
     <a:masterClrMapping/>
   </p:clrMapOvr>
+  <p:timing>
+    <p:tnLst>
+      <p:par>
+        <p:cTn id="1" dur="indefinite" restart="never" nodeType="tmRoot"/>
+      </p:par>
+    </p:tnLst>
+  </p:timing>
 </p:sld>
 </file>
 
@@ -14757,6 +14846,13 @@
   <p:clrMapOvr>
     <a:masterClrMapping/>
   </p:clrMapOvr>
+  <p:timing>
+    <p:tnLst>
+      <p:par>
+        <p:cTn id="1" dur="indefinite" restart="never" nodeType="tmRoot"/>
+      </p:par>
+    </p:tnLst>
+  </p:timing>
 </p:sld>
 </file>
 
